--- a/Lectures/Onsite/Week3/Lecture_Regularization.pptx
+++ b/Lectures/Onsite/Week3/Lecture_Regularization.pptx
@@ -237,7 +237,7 @@
           <a:p>
             <a:fld id="{5D7728AC-4B4F-4348-A192-856689668E8F}" type="datetimeFigureOut">
               <a:rPr lang="en-US" smtClean="0"/>
-              <a:t>6/15/19</a:t>
+              <a:t>7/29/19</a:t>
             </a:fld>
             <a:endParaRPr lang="en-US"/>
           </a:p>
@@ -5112,15 +5112,15 @@
           <a:lstStyle/>
           <a:p>
             <a:r>
-              <a:rPr lang="en-US" dirty="0" smtClean="0"/>
+              <a:rPr lang="en-US" smtClean="0"/>
               <a:t>Lecture </a:t>
             </a:r>
             <a:r>
-              <a:rPr lang="en-US" dirty="0" smtClean="0"/>
-              <a:t>7b</a:t>
-            </a:r>
-            <a:r>
-              <a:rPr lang="en-US" dirty="0" smtClean="0"/>
+              <a:rPr lang="en-US"/>
+              <a:t>9</a:t>
+            </a:r>
+            <a:r>
+              <a:rPr lang="en-US" smtClean="0"/>
               <a:t>: </a:t>
             </a:r>
             <a:r>
